--- a/Project_Pitch.pptx
+++ b/Project_Pitch.pptx
@@ -281,7 +281,7 @@
           <a:p>
             <a:fld id="{F2EE3B7B-C7B5-42CF-90CF-67B3D21B2314}" type="datetimeFigureOut">
               <a:rPr lang="en-US" dirty="0"/>
-              <a:t>29-Sep-24</a:t>
+              <a:t>10/8/2024</a:t>
             </a:fld>
             <a:endParaRPr lang="en-US"/>
           </a:p>
@@ -509,7 +509,7 @@
           <a:p>
             <a:fld id="{6BAD9902-F134-45BD-ABD2-80C28059B090}" type="datetimeFigureOut">
               <a:rPr lang="en-US" dirty="0"/>
-              <a:t>29-Sep-24</a:t>
+              <a:t>10/8/2024</a:t>
             </a:fld>
             <a:endParaRPr lang="en-US"/>
           </a:p>
@@ -721,7 +721,7 @@
           <a:p>
             <a:fld id="{C2B04DB0-379A-41B7-9B29-7F42F0D571D5}" type="datetimeFigureOut">
               <a:rPr lang="en-US" dirty="0"/>
-              <a:t>29-Sep-24</a:t>
+              <a:t>10/8/2024</a:t>
             </a:fld>
             <a:endParaRPr lang="en-US"/>
           </a:p>
@@ -923,7 +923,7 @@
           <a:p>
             <a:fld id="{0F996519-E62D-4F8C-AE1E-36928EC7D15C}" type="datetimeFigureOut">
               <a:rPr lang="en-US" dirty="0"/>
-              <a:t>29-Sep-24</a:t>
+              <a:t>10/8/2024</a:t>
             </a:fld>
             <a:endParaRPr lang="en-US"/>
           </a:p>
@@ -1222,7 +1222,7 @@
           <a:p>
             <a:fld id="{6477AEB6-FCE1-4CD5-923B-84E54F1460D5}" type="datetimeFigureOut">
               <a:rPr lang="en-US" dirty="0"/>
-              <a:t>29-Sep-24</a:t>
+              <a:t>10/8/2024</a:t>
             </a:fld>
             <a:endParaRPr lang="en-US"/>
           </a:p>
@@ -1532,7 +1532,7 @@
           <a:p>
             <a:fld id="{96374C2F-71A1-43C9-B2F6-A4FAC8157F1A}" type="datetimeFigureOut">
               <a:rPr lang="en-US" dirty="0"/>
-              <a:t>29-Sep-24</a:t>
+              <a:t>10/8/2024</a:t>
             </a:fld>
             <a:endParaRPr lang="en-US"/>
           </a:p>
@@ -1952,7 +1952,7 @@
           <a:p>
             <a:fld id="{AD631DCC-9916-4BB7-A2E9-25EC84C740A7}" type="datetimeFigureOut">
               <a:rPr lang="en-US" dirty="0"/>
-              <a:t>29-Sep-24</a:t>
+              <a:t>10/8/2024</a:t>
             </a:fld>
             <a:endParaRPr lang="en-US"/>
           </a:p>
@@ -2102,7 +2102,7 @@
           <a:p>
             <a:fld id="{AF59146A-335D-4B7F-86AE-5D483B1F631C}" type="datetimeFigureOut">
               <a:rPr lang="en-US" dirty="0"/>
-              <a:t>29-Sep-24</a:t>
+              <a:t>10/8/2024</a:t>
             </a:fld>
             <a:endParaRPr lang="en-US"/>
           </a:p>
@@ -2219,7 +2219,7 @@
           <a:p>
             <a:fld id="{DD71D8EC-8E17-4CE6-99C2-C22488572868}" type="datetimeFigureOut">
               <a:rPr lang="en-US" dirty="0"/>
-              <a:t>29-Sep-24</a:t>
+              <a:t>10/8/2024</a:t>
             </a:fld>
             <a:endParaRPr lang="en-US"/>
           </a:p>
@@ -2534,7 +2534,7 @@
           <a:p>
             <a:fld id="{9A750ABA-DFFA-4B13-BB77-624D9164A38B}" type="datetimeFigureOut">
               <a:rPr lang="en-US" dirty="0"/>
-              <a:t>29-Sep-24</a:t>
+              <a:t>10/8/2024</a:t>
             </a:fld>
             <a:endParaRPr lang="en-US"/>
           </a:p>
@@ -2831,7 +2831,7 @@
           <a:p>
             <a:fld id="{3220A08F-2B1D-4498-A043-7C299B1C2561}" type="datetimeFigureOut">
               <a:rPr lang="en-US" dirty="0"/>
-              <a:t>29-Sep-24</a:t>
+              <a:t>10/8/2024</a:t>
             </a:fld>
             <a:endParaRPr lang="en-US"/>
           </a:p>
@@ -3074,7 +3074,7 @@
           <a:p>
             <a:fld id="{567E9B64-DC09-41C8-9DE3-DA74AF8D2F97}" type="datetimeFigureOut">
               <a:rPr lang="en-US" dirty="0"/>
-              <a:t>29-Sep-24</a:t>
+              <a:t>10/8/2024</a:t>
             </a:fld>
             <a:endParaRPr lang="en-US"/>
           </a:p>
@@ -3716,96 +3716,107 @@
         </p:nvSpPr>
         <p:spPr>
           <a:xfrm>
-            <a:off x="1076535" y="2167714"/>
+            <a:off x="884511" y="2059498"/>
             <a:ext cx="8276649" cy="3870181"/>
           </a:xfrm>
         </p:spPr>
         <p:txBody>
           <a:bodyPr vert="horz" lIns="91440" tIns="45720" rIns="91440" bIns="45720" rtlCol="0" anchor="t">
-            <a:normAutofit fontScale="70000" lnSpcReduction="20000"/>
+            <a:normAutofit fontScale="92500"/>
           </a:bodyPr>
           <a:lstStyle/>
           <a:p>
             <a:r>
               <a:rPr lang="en-GB" sz="1800" dirty="0">
                 <a:effectLst/>
+                <a:latin typeface="Arial" panose="020B0604020202020204" pitchFamily="34" charset="0"/>
                 <a:ea typeface="Tahoma" panose="020B0604030504040204" pitchFamily="34" charset="0"/>
-                <a:cs typeface="Tahoma" panose="020B0604030504040204" pitchFamily="34" charset="0"/>
-              </a:rPr>
-              <a:t>When developing games a difficult part of that is always going to be the landscape/ environment and my project aims to provide a solution for infinite procedural generation and deliberate landsca</a:t>
+                <a:cs typeface="Arial" panose="020B0604020202020204" pitchFamily="34" charset="0"/>
+              </a:rPr>
+              <a:t>When developing games a </a:t>
+            </a:r>
+            <a:r>
+              <a:rPr lang="en-GB" sz="1800" dirty="0" err="1">
+                <a:effectLst/>
+                <a:latin typeface="Arial" panose="020B0604020202020204" pitchFamily="34" charset="0"/>
+                <a:ea typeface="Tahoma" panose="020B0604030504040204" pitchFamily="34" charset="0"/>
+                <a:cs typeface="Arial" panose="020B0604020202020204" pitchFamily="34" charset="0"/>
+              </a:rPr>
+              <a:t>bottlekneck</a:t>
+            </a:r>
+            <a:r>
+              <a:rPr lang="en-GB" sz="1800" dirty="0">
+                <a:effectLst/>
+                <a:latin typeface="Arial" panose="020B0604020202020204" pitchFamily="34" charset="0"/>
+                <a:ea typeface="Tahoma" panose="020B0604030504040204" pitchFamily="34" charset="0"/>
+                <a:cs typeface="Arial" panose="020B0604020202020204" pitchFamily="34" charset="0"/>
+              </a:rPr>
+              <a:t> in the process landscape/ environment </a:t>
             </a:r>
             <a:r>
               <a:rPr lang="en-GB" dirty="0">
+                <a:latin typeface="Arial" panose="020B0604020202020204" pitchFamily="34" charset="0"/>
                 <a:ea typeface="Tahoma" panose="020B0604030504040204" pitchFamily="34" charset="0"/>
-                <a:cs typeface="Tahoma" panose="020B0604030504040204" pitchFamily="34" charset="0"/>
+                <a:cs typeface="Arial" panose="020B0604020202020204" pitchFamily="34" charset="0"/>
+              </a:rPr>
+              <a:t>as often you need experienced artist and 3d modelers to create the environment, </a:t>
+            </a:r>
+            <a:r>
+              <a:rPr lang="en-GB" sz="1800" dirty="0">
+                <a:effectLst/>
+                <a:latin typeface="Arial" panose="020B0604020202020204" pitchFamily="34" charset="0"/>
+                <a:ea typeface="Tahoma" panose="020B0604030504040204" pitchFamily="34" charset="0"/>
+                <a:cs typeface="Arial" panose="020B0604020202020204" pitchFamily="34" charset="0"/>
+              </a:rPr>
+              <a:t>my project aims to provide a streamlined easy to use solution for infinite procedural generation and deliberate landsca</a:t>
+            </a:r>
+            <a:r>
+              <a:rPr lang="en-GB" dirty="0">
+                <a:latin typeface="Arial" panose="020B0604020202020204" pitchFamily="34" charset="0"/>
+                <a:ea typeface="Tahoma" panose="020B0604030504040204" pitchFamily="34" charset="0"/>
+                <a:cs typeface="Arial" panose="020B0604020202020204" pitchFamily="34" charset="0"/>
               </a:rPr>
               <a:t>pe generation.</a:t>
             </a:r>
             <a:endParaRPr lang="en-GB" sz="1800" dirty="0">
               <a:effectLst/>
-              <a:latin typeface="Tahoma" panose="020B0604030504040204" pitchFamily="34" charset="0"/>
+              <a:latin typeface="Arial" panose="020B0604020202020204" pitchFamily="34" charset="0"/>
               <a:ea typeface="Calibri" panose="020F0502020204030204" pitchFamily="34" charset="0"/>
-              <a:cs typeface="Times New Roman" panose="02020603050405020304" pitchFamily="18" charset="0"/>
+              <a:cs typeface="Arial" panose="020B0604020202020204" pitchFamily="34" charset="0"/>
             </a:endParaRPr>
           </a:p>
           <a:p>
-            <a:endParaRPr dirty="0"/>
-          </a:p>
-          <a:p>
-            <a:r>
-              <a:rPr lang="en-GB" sz="1500" dirty="0">
-                <a:ea typeface="Tahoma" panose="020B0604030504040204" pitchFamily="34" charset="0"/>
-                <a:cs typeface="Tahoma" panose="020B0604030504040204" pitchFamily="34" charset="0"/>
-              </a:rPr>
-              <a:t>With what I intend my tool to do would be to allow you to drop it in to unity and choose a set of parameters and it would work alternatively it would work stand alone allowing you to open the program up and get making a piece of terrain and exporting it for your use.</a:t>
-            </a:r>
-            <a:endParaRPr lang="en-GB" dirty="0">
-              <a:ea typeface="Tahoma" panose="020B0604030504040204" pitchFamily="34" charset="0"/>
-              <a:cs typeface="Tahoma" panose="020B0604030504040204" pitchFamily="34" charset="0"/>
+            <a:r>
+              <a:rPr lang="en-US" dirty="0">
+                <a:latin typeface="Arial" panose="020B0604020202020204" pitchFamily="34" charset="0"/>
+                <a:ea typeface="+mn-lt"/>
+                <a:cs typeface="Arial" panose="020B0604020202020204" pitchFamily="34" charset="0"/>
+              </a:rPr>
+              <a:t>Challenges for such a problem are wide and varied, allowing for varied and unique terrain design while avoiding artifacts and keeping the program optimized so that there is no stuttering or drop in performance when manipulating and generation large the terrain, along with that creating easy to grasp tools which offer a range of manipulation.</a:t>
+            </a:r>
+          </a:p>
+          <a:p>
+            <a:r>
+              <a:rPr lang="en-US" b="1" dirty="0">
+                <a:latin typeface="Arial" panose="020B0604020202020204" pitchFamily="34" charset="0"/>
+                <a:ea typeface="+mn-lt"/>
+                <a:cs typeface="Arial" panose="020B0604020202020204" pitchFamily="34" charset="0"/>
+              </a:rPr>
+              <a:t>Here is my previous project to do with terrain. I intend to start anew and take this project leaps and bounds further.</a:t>
+            </a:r>
+          </a:p>
+          <a:p>
+            <a:endParaRPr lang="en-US" b="1" dirty="0">
+              <a:latin typeface="Arial" panose="020B0604020202020204" pitchFamily="34" charset="0"/>
+              <a:ea typeface="+mn-lt"/>
+              <a:cs typeface="Arial" panose="020B0604020202020204" pitchFamily="34" charset="0"/>
             </a:endParaRPr>
           </a:p>
           <a:p>
-            <a:endParaRPr lang="en-GB" sz="1800" dirty="0">
-              <a:effectLst/>
-              <a:ea typeface="Calibri" panose="020F0502020204030204" pitchFamily="34" charset="0"/>
-              <a:cs typeface="Times New Roman" panose="02020603050405020304" pitchFamily="18" charset="0"/>
+            <a:endParaRPr lang="en-US" dirty="0">
+              <a:latin typeface="Arial" panose="020B0604020202020204" pitchFamily="34" charset="0"/>
+              <a:cs typeface="Arial" panose="020B0604020202020204" pitchFamily="34" charset="0"/>
             </a:endParaRPr>
-          </a:p>
-          <a:p>
-            <a:r>
-              <a:rPr lang="en-US" dirty="0">
-                <a:ea typeface="+mn-lt"/>
-                <a:cs typeface="+mn-lt"/>
-              </a:rPr>
-              <a:t>Challenges for such a problem are wide and varied, allowing for varied and unique terrain design while avoiding artifacts and keeping the program optimized enough so that it can be procedurally generated are both huge challenges along with the implementation of tools for the user to alter the terrain during the creation process.</a:t>
-            </a:r>
-          </a:p>
-          <a:p>
-            <a:pPr marL="0" indent="0">
-              <a:buNone/>
-            </a:pPr>
-            <a:endParaRPr lang="en-US" dirty="0">
-              <a:ea typeface="+mn-lt"/>
-              <a:cs typeface="+mn-lt"/>
-            </a:endParaRPr>
-          </a:p>
-          <a:p>
-            <a:r>
-              <a:rPr lang="en-US" b="1" dirty="0">
-                <a:ea typeface="+mn-lt"/>
-                <a:cs typeface="+mn-lt"/>
-              </a:rPr>
-              <a:t>Here is my previous project to do with terrain. I intend to start anew and take this project leaps and bounds further.</a:t>
-            </a:r>
-          </a:p>
-          <a:p>
-            <a:endParaRPr lang="en-US" b="1" dirty="0">
-              <a:ea typeface="+mn-lt"/>
-              <a:cs typeface="+mn-lt"/>
-            </a:endParaRPr>
-          </a:p>
-          <a:p>
-            <a:endParaRPr lang="en-US" dirty="0"/>
           </a:p>
         </p:txBody>
       </p:sp>
@@ -4151,33 +4162,47 @@
         </p:spPr>
         <p:txBody>
           <a:bodyPr vert="horz" lIns="91440" tIns="45720" rIns="91440" bIns="45720" rtlCol="0" anchor="t">
-            <a:normAutofit fontScale="92500"/>
+            <a:normAutofit/>
           </a:bodyPr>
           <a:lstStyle/>
           <a:p>
             <a:r>
-              <a:rPr lang="en-GB" dirty="0"/>
+              <a:rPr lang="en-GB" dirty="0">
+                <a:latin typeface="Arial" panose="020B0604020202020204" pitchFamily="34" charset="0"/>
+                <a:cs typeface="Arial" panose="020B0604020202020204" pitchFamily="34" charset="0"/>
+              </a:rPr>
               <a:t>As stated before a key influence is my own project.</a:t>
             </a:r>
           </a:p>
           <a:p>
             <a:r>
-              <a:rPr lang="en-GB" dirty="0"/>
+              <a:rPr lang="en-GB" dirty="0">
+                <a:latin typeface="Arial" panose="020B0604020202020204" pitchFamily="34" charset="0"/>
+                <a:cs typeface="Arial" panose="020B0604020202020204" pitchFamily="34" charset="0"/>
+              </a:rPr>
               <a:t>Additionally there is a very intriguing software called world machine which does amazing terrain generation using block coding and provides a plethora of tools for the user to alter the terrain post generation.</a:t>
             </a:r>
           </a:p>
           <a:p>
             <a:r>
               <a:rPr lang="en-US" dirty="0">
+                <a:latin typeface="Arial" panose="020B0604020202020204" pitchFamily="34" charset="0"/>
+                <a:cs typeface="Arial" panose="020B0604020202020204" pitchFamily="34" charset="0"/>
                 <a:hlinkClick r:id="rId2"/>
               </a:rPr>
               <a:t>https://www.world-machine.com/content/index/how/WMFeature1.mp4</a:t>
             </a:r>
-            <a:endParaRPr lang="en-US" dirty="0"/>
-          </a:p>
-          <a:p>
-            <a:r>
-              <a:rPr lang="en-US" dirty="0"/>
+            <a:endParaRPr lang="en-US" dirty="0">
+              <a:latin typeface="Arial" panose="020B0604020202020204" pitchFamily="34" charset="0"/>
+              <a:cs typeface="Arial" panose="020B0604020202020204" pitchFamily="34" charset="0"/>
+            </a:endParaRPr>
+          </a:p>
+          <a:p>
+            <a:r>
+              <a:rPr lang="en-US" dirty="0">
+                <a:latin typeface="Arial" panose="020B0604020202020204" pitchFamily="34" charset="0"/>
+                <a:cs typeface="Arial" panose="020B0604020202020204" pitchFamily="34" charset="0"/>
+              </a:rPr>
               <a:t>What has also acted as inspiration for the project is just a wide range of procedural tools that have completely different uses like a sound effect generation tool and a texture generation tool and all these are an absolute blast to use and made me want to give it a try.</a:t>
             </a:r>
           </a:p>
@@ -4395,64 +4420,95 @@
           <a:lstStyle/>
           <a:p>
             <a:r>
-              <a:rPr lang="en-GB" b="1" dirty="0"/>
+              <a:rPr lang="en-GB" b="1" dirty="0">
+                <a:latin typeface="Arial" panose="020B0604020202020204" pitchFamily="34" charset="0"/>
+                <a:cs typeface="Arial" panose="020B0604020202020204" pitchFamily="34" charset="0"/>
+              </a:rPr>
               <a:t>Linked in has locked me out of my account but applicable jobs would be game programming and tool development jobs</a:t>
             </a:r>
-            <a:endParaRPr lang="en-US" dirty="0"/>
-          </a:p>
-          <a:p>
-            <a:endParaRPr dirty="0"/>
-          </a:p>
-          <a:p>
-            <a:r>
-              <a:rPr b="1" dirty="0"/>
+            <a:endParaRPr lang="en-US" dirty="0">
+              <a:latin typeface="Arial" panose="020B0604020202020204" pitchFamily="34" charset="0"/>
+              <a:cs typeface="Arial" panose="020B0604020202020204" pitchFamily="34" charset="0"/>
+            </a:endParaRPr>
+          </a:p>
+          <a:p>
+            <a:endParaRPr dirty="0">
+              <a:latin typeface="Arial" panose="020B0604020202020204" pitchFamily="34" charset="0"/>
+              <a:cs typeface="Arial" panose="020B0604020202020204" pitchFamily="34" charset="0"/>
+            </a:endParaRPr>
+          </a:p>
+          <a:p>
+            <a:r>
+              <a:rPr b="1" dirty="0">
+                <a:latin typeface="Arial" panose="020B0604020202020204" pitchFamily="34" charset="0"/>
+                <a:cs typeface="Arial" panose="020B0604020202020204" pitchFamily="34" charset="0"/>
+              </a:rPr>
               <a:t>Role Description:</a:t>
             </a:r>
             <a:r>
-              <a:rPr lang="en-US" b="1" dirty="0"/>
+              <a:rPr lang="en-US" b="1" dirty="0">
+                <a:latin typeface="Arial" panose="020B0604020202020204" pitchFamily="34" charset="0"/>
+                <a:cs typeface="Arial" panose="020B0604020202020204" pitchFamily="34" charset="0"/>
+              </a:rPr>
               <a:t> </a:t>
             </a:r>
             <a:r>
               <a:rPr lang="en-US" dirty="0">
+                <a:latin typeface="Arial" panose="020B0604020202020204" pitchFamily="34" charset="0"/>
                 <a:ea typeface="+mn-lt"/>
-                <a:cs typeface="+mn-lt"/>
+                <a:cs typeface="Arial" panose="020B0604020202020204" pitchFamily="34" charset="0"/>
               </a:rPr>
               <a:t>creating tools to aid and streamline development along with creating relevant gameplay mechanics</a:t>
             </a:r>
-            <a:endParaRPr dirty="0"/>
-          </a:p>
-          <a:p>
-            <a:endParaRPr dirty="0"/>
-          </a:p>
-          <a:p>
-            <a:r>
-              <a:rPr b="1" dirty="0"/>
+            <a:endParaRPr dirty="0">
+              <a:latin typeface="Arial" panose="020B0604020202020204" pitchFamily="34" charset="0"/>
+              <a:cs typeface="Arial" panose="020B0604020202020204" pitchFamily="34" charset="0"/>
+            </a:endParaRPr>
+          </a:p>
+          <a:p>
+            <a:endParaRPr dirty="0">
+              <a:latin typeface="Arial" panose="020B0604020202020204" pitchFamily="34" charset="0"/>
+              <a:cs typeface="Arial" panose="020B0604020202020204" pitchFamily="34" charset="0"/>
+            </a:endParaRPr>
+          </a:p>
+          <a:p>
+            <a:r>
+              <a:rPr b="1" dirty="0">
+                <a:latin typeface="Arial" panose="020B0604020202020204" pitchFamily="34" charset="0"/>
+                <a:cs typeface="Arial" panose="020B0604020202020204" pitchFamily="34" charset="0"/>
+              </a:rPr>
               <a:t>Skills Alignment:</a:t>
             </a:r>
             <a:r>
-              <a:rPr lang="en-US" dirty="0"/>
+              <a:rPr lang="en-US" dirty="0">
+                <a:latin typeface="Arial" panose="020B0604020202020204" pitchFamily="34" charset="0"/>
+                <a:cs typeface="Arial" panose="020B0604020202020204" pitchFamily="34" charset="0"/>
+              </a:rPr>
               <a:t> </a:t>
             </a:r>
             <a:r>
               <a:rPr lang="en-US" dirty="0">
+                <a:latin typeface="Arial" panose="020B0604020202020204" pitchFamily="34" charset="0"/>
                 <a:ea typeface="+mn-lt"/>
-                <a:cs typeface="+mn-lt"/>
+                <a:cs typeface="Arial" panose="020B0604020202020204" pitchFamily="34" charset="0"/>
               </a:rPr>
               <a:t>C++/C# experience, use and creation of applicable algorithms, designing and applying good UI and UX practices, identifying and solving </a:t>
             </a:r>
             <a:r>
               <a:rPr lang="en-US" dirty="0" err="1">
+                <a:latin typeface="Arial" panose="020B0604020202020204" pitchFamily="34" charset="0"/>
                 <a:ea typeface="+mn-lt"/>
-                <a:cs typeface="+mn-lt"/>
+                <a:cs typeface="Arial" panose="020B0604020202020204" pitchFamily="34" charset="0"/>
               </a:rPr>
               <a:t>bottleknecks</a:t>
             </a:r>
             <a:r>
               <a:rPr lang="en-US" dirty="0">
+                <a:latin typeface="Arial" panose="020B0604020202020204" pitchFamily="34" charset="0"/>
                 <a:ea typeface="+mn-lt"/>
-                <a:cs typeface="+mn-lt"/>
-              </a:rPr>
-              <a:t> in the game development process</a:t>
+                <a:cs typeface="Arial" panose="020B0604020202020204" pitchFamily="34" charset="0"/>
+              </a:rPr>
+              <a:t> in the game development pipeline</a:t>
             </a:r>
           </a:p>
         </p:txBody>
@@ -4638,8 +4694,9 @@
           <a:p>
             <a:r>
               <a:rPr lang="en-US" dirty="0">
+                <a:latin typeface="Arial" panose="020B0604020202020204" pitchFamily="34" charset="0"/>
                 <a:ea typeface="+mn-lt"/>
-                <a:cs typeface="+mn-lt"/>
+                <a:cs typeface="Arial" panose="020B0604020202020204" pitchFamily="34" charset="0"/>
               </a:rPr>
               <a:t>A large part of the projects research will be of scientific studies along with applicable industry software where possible.</a:t>
             </a:r>
@@ -4647,28 +4704,30 @@
           <a:p>
             <a:r>
               <a:rPr lang="en-US" dirty="0">
-                <a:latin typeface="Neue Haas Grotesk Text Pro"/>
+                <a:latin typeface="Arial" panose="020B0604020202020204" pitchFamily="34" charset="0"/>
                 <a:ea typeface="+mn-lt"/>
-                <a:cs typeface="Calibri"/>
+                <a:cs typeface="Arial" panose="020B0604020202020204" pitchFamily="34" charset="0"/>
               </a:rPr>
               <a:t>Scientific papers on procedural terrain generation and weather and erosions simulations, I will find these papers by researching through textbooks and finding related papers online and following there references to find more information. Along with that I will reference UI and UX guides and survey friends, family and classmates to get feedback on the UX</a:t>
             </a:r>
             <a:endParaRPr lang="en-US" dirty="0">
-              <a:latin typeface="Neue Haas Grotesk Text Pro"/>
-              <a:cs typeface="Calibri"/>
+              <a:latin typeface="Arial" panose="020B0604020202020204" pitchFamily="34" charset="0"/>
+              <a:cs typeface="Arial" panose="020B0604020202020204" pitchFamily="34" charset="0"/>
             </a:endParaRPr>
           </a:p>
           <a:p>
             <a:r>
               <a:rPr lang="en-US" b="1" dirty="0">
+                <a:latin typeface="Arial" panose="020B0604020202020204" pitchFamily="34" charset="0"/>
                 <a:ea typeface="+mn-lt"/>
-                <a:cs typeface="+mn-lt"/>
+                <a:cs typeface="Arial" panose="020B0604020202020204" pitchFamily="34" charset="0"/>
               </a:rPr>
               <a:t>Obstacles would be getting good relevant feedback as using your own program is not a true test. Finding recent good papers on certain topics as the papers I often find are older and more dated.</a:t>
             </a:r>
             <a:endParaRPr lang="en-US" dirty="0">
+              <a:latin typeface="Arial" panose="020B0604020202020204" pitchFamily="34" charset="0"/>
               <a:ea typeface="+mn-lt"/>
-              <a:cs typeface="Calibri"/>
+              <a:cs typeface="Arial" panose="020B0604020202020204" pitchFamily="34" charset="0"/>
             </a:endParaRPr>
           </a:p>
           <a:p>
@@ -4676,8 +4735,9 @@
               <a:buNone/>
             </a:pPr>
             <a:endParaRPr lang="en-US" dirty="0">
+              <a:latin typeface="Arial" panose="020B0604020202020204" pitchFamily="34" charset="0"/>
               <a:ea typeface="+mn-lt"/>
-              <a:cs typeface="+mn-lt"/>
+              <a:cs typeface="Arial" panose="020B0604020202020204" pitchFamily="34" charset="0"/>
             </a:endParaRPr>
           </a:p>
         </p:txBody>
@@ -4806,19 +4866,22 @@
         </p:spPr>
         <p:txBody>
           <a:bodyPr vert="horz" lIns="91440" tIns="45720" rIns="91440" bIns="45720" rtlCol="0" anchor="t">
-            <a:normAutofit fontScale="62500" lnSpcReduction="20000"/>
+            <a:normAutofit fontScale="70000" lnSpcReduction="20000"/>
           </a:bodyPr>
           <a:lstStyle/>
           <a:p>
             <a:r>
               <a:rPr lang="en-US" b="1" dirty="0">
-                <a:latin typeface="Neue Haas Grotesk Text Pro"/>
+                <a:latin typeface="Arial" panose="020B0604020202020204" pitchFamily="34" charset="0"/>
                 <a:ea typeface="+mn-lt"/>
-                <a:cs typeface="Arial"/>
+                <a:cs typeface="Arial" panose="020B0604020202020204" pitchFamily="34" charset="0"/>
               </a:rPr>
               <a:t>Journals and Books</a:t>
             </a:r>
-            <a:endParaRPr lang="en-US" dirty="0"/>
+            <a:endParaRPr lang="en-US" dirty="0">
+              <a:latin typeface="Arial" panose="020B0604020202020204" pitchFamily="34" charset="0"/>
+              <a:cs typeface="Arial" panose="020B0604020202020204" pitchFamily="34" charset="0"/>
+            </a:endParaRPr>
           </a:p>
           <a:p>
             <a:pPr lvl="1">
@@ -4828,22 +4891,31 @@
             <a:r>
               <a:rPr lang="en-GB" i="1" dirty="0">
                 <a:effectLst/>
-                <a:latin typeface="Aptos" panose="020B0004020202020204" pitchFamily="34" charset="0"/>
+                <a:latin typeface="Arial" panose="020B0604020202020204" pitchFamily="34" charset="0"/>
+                <a:cs typeface="Arial" panose="020B0604020202020204" pitchFamily="34" charset="0"/>
               </a:rPr>
               <a:t>Ryan Geiss</a:t>
             </a:r>
             <a:r>
-              <a:rPr lang="en-GB" dirty="0"/>
+              <a:rPr lang="en-GB" dirty="0">
+                <a:latin typeface="Arial" panose="020B0604020202020204" pitchFamily="34" charset="0"/>
+                <a:cs typeface="Arial" panose="020B0604020202020204" pitchFamily="34" charset="0"/>
+              </a:rPr>
               <a:t>. (2005) Chapter 1. Generating Complex Procedural Terrains Using the GPU. Available at: </a:t>
             </a:r>
             <a:r>
               <a:rPr lang="en-GB" dirty="0">
+                <a:latin typeface="Arial" panose="020B0604020202020204" pitchFamily="34" charset="0"/>
+                <a:cs typeface="Arial" panose="020B0604020202020204" pitchFamily="34" charset="0"/>
                 <a:hlinkClick r:id="rId2"/>
               </a:rPr>
               <a:t>https://developer.nvidia.com/gpugems/gpugems3/part-i-geometry/chapter-1-generating-complex-procedural-terrains-using-gpu</a:t>
             </a:r>
             <a:r>
-              <a:rPr lang="en-GB" dirty="0"/>
+              <a:rPr lang="en-GB" dirty="0">
+                <a:latin typeface="Arial" panose="020B0604020202020204" pitchFamily="34" charset="0"/>
+                <a:cs typeface="Arial" panose="020B0604020202020204" pitchFamily="34" charset="0"/>
+              </a:rPr>
               <a:t>.</a:t>
             </a:r>
           </a:p>
@@ -4854,9 +4926,9 @@
             </a:pPr>
             <a:r>
               <a:rPr lang="en-US" b="1" dirty="0">
-                <a:latin typeface="Neue Haas Grotesk Text Pro"/>
+                <a:latin typeface="Arial" panose="020B0604020202020204" pitchFamily="34" charset="0"/>
                 <a:ea typeface="+mn-lt"/>
-                <a:cs typeface="Arial"/>
+                <a:cs typeface="Arial" panose="020B0604020202020204" pitchFamily="34" charset="0"/>
               </a:rPr>
               <a:t>Blogs</a:t>
             </a:r>
@@ -4864,97 +4936,130 @@
           <a:p>
             <a:pPr lvl="1"/>
             <a:r>
-              <a:rPr lang="en-GB" dirty="0"/>
+              <a:rPr lang="en-GB" dirty="0">
+                <a:latin typeface="Arial" panose="020B0604020202020204" pitchFamily="34" charset="0"/>
+                <a:cs typeface="Arial" panose="020B0604020202020204" pitchFamily="34" charset="0"/>
+              </a:rPr>
               <a:t>Hunter Loftis (2014). Realistic terrain in 130 lines. Available at: </a:t>
             </a:r>
             <a:r>
               <a:rPr lang="en-GB" dirty="0">
+                <a:latin typeface="Arial" panose="020B0604020202020204" pitchFamily="34" charset="0"/>
+                <a:cs typeface="Arial" panose="020B0604020202020204" pitchFamily="34" charset="0"/>
                 <a:hlinkClick r:id="rId3"/>
               </a:rPr>
               <a:t>http://www.playfuljs.com/realistic-terrain-in-130-lines/</a:t>
             </a:r>
             <a:r>
-              <a:rPr lang="en-GB" dirty="0"/>
+              <a:rPr lang="en-GB" dirty="0">
+                <a:latin typeface="Arial" panose="020B0604020202020204" pitchFamily="34" charset="0"/>
+                <a:cs typeface="Arial" panose="020B0604020202020204" pitchFamily="34" charset="0"/>
+              </a:rPr>
               <a:t>.</a:t>
             </a:r>
           </a:p>
           <a:p>
             <a:pPr lvl="1"/>
             <a:r>
-              <a:rPr lang="en-GB" dirty="0" err="1"/>
+              <a:rPr lang="en-GB" dirty="0" err="1">
+                <a:latin typeface="Arial" panose="020B0604020202020204" pitchFamily="34" charset="0"/>
+                <a:cs typeface="Arial" panose="020B0604020202020204" pitchFamily="34" charset="0"/>
+              </a:rPr>
               <a:t>Talle</a:t>
             </a:r>
             <a:r>
-              <a:rPr lang="en-GB" dirty="0"/>
+              <a:rPr lang="en-GB" dirty="0">
+                <a:latin typeface="Arial" panose="020B0604020202020204" pitchFamily="34" charset="0"/>
+                <a:cs typeface="Arial" panose="020B0604020202020204" pitchFamily="34" charset="0"/>
+              </a:rPr>
               <a:t>, J. (2020). Simulating hydraulic erosion. jobtalle.com. Available at: </a:t>
             </a:r>
             <a:r>
               <a:rPr lang="en-GB" dirty="0">
+                <a:latin typeface="Arial" panose="020B0604020202020204" pitchFamily="34" charset="0"/>
+                <a:cs typeface="Arial" panose="020B0604020202020204" pitchFamily="34" charset="0"/>
                 <a:hlinkClick r:id="rId4"/>
               </a:rPr>
               <a:t>https://jobtalle.com/simulating_hydraulic_erosion.html</a:t>
             </a:r>
             <a:r>
-              <a:rPr lang="en-GB" dirty="0"/>
+              <a:rPr lang="en-GB" dirty="0">
+                <a:latin typeface="Arial" panose="020B0604020202020204" pitchFamily="34" charset="0"/>
+                <a:cs typeface="Arial" panose="020B0604020202020204" pitchFamily="34" charset="0"/>
+              </a:rPr>
               <a:t>.</a:t>
             </a:r>
             <a:endParaRPr lang="en-US" b="1" dirty="0">
-              <a:latin typeface="Neue Haas Grotesk Text Pro"/>
+              <a:latin typeface="Arial" panose="020B0604020202020204" pitchFamily="34" charset="0"/>
               <a:ea typeface="+mn-lt"/>
-              <a:cs typeface="Arial"/>
+              <a:cs typeface="Arial" panose="020B0604020202020204" pitchFamily="34" charset="0"/>
             </a:endParaRPr>
           </a:p>
           <a:p>
             <a:r>
               <a:rPr lang="en-US" b="1" dirty="0" err="1">
-                <a:latin typeface="Neue Haas Grotesk Text Pro"/>
+                <a:latin typeface="Arial" panose="020B0604020202020204" pitchFamily="34" charset="0"/>
                 <a:ea typeface="+mn-lt"/>
-                <a:cs typeface="Arial"/>
+                <a:cs typeface="Arial" panose="020B0604020202020204" pitchFamily="34" charset="0"/>
               </a:rPr>
               <a:t>Github</a:t>
             </a:r>
             <a:endParaRPr lang="en-US" b="1" dirty="0">
-              <a:latin typeface="Neue Haas Grotesk Text Pro"/>
+              <a:latin typeface="Arial" panose="020B0604020202020204" pitchFamily="34" charset="0"/>
               <a:ea typeface="+mn-lt"/>
-              <a:cs typeface="Arial"/>
+              <a:cs typeface="Arial" panose="020B0604020202020204" pitchFamily="34" charset="0"/>
             </a:endParaRPr>
           </a:p>
           <a:p>
             <a:pPr lvl="1"/>
             <a:r>
-              <a:rPr lang="en-GB" dirty="0"/>
+              <a:rPr lang="en-GB" dirty="0">
+                <a:latin typeface="Arial" panose="020B0604020202020204" pitchFamily="34" charset="0"/>
+                <a:cs typeface="Arial" panose="020B0604020202020204" pitchFamily="34" charset="0"/>
+              </a:rPr>
               <a:t>Peck, J. (2021). </a:t>
             </a:r>
             <a:r>
-              <a:rPr lang="en-GB" dirty="0" err="1"/>
+              <a:rPr lang="en-GB" dirty="0" err="1">
+                <a:latin typeface="Arial" panose="020B0604020202020204" pitchFamily="34" charset="0"/>
+                <a:cs typeface="Arial" panose="020B0604020202020204" pitchFamily="34" charset="0"/>
+              </a:rPr>
               <a:t>FastNoiseLite</a:t>
             </a:r>
             <a:r>
-              <a:rPr lang="en-GB" dirty="0"/>
+              <a:rPr lang="en-GB" dirty="0">
+                <a:latin typeface="Arial" panose="020B0604020202020204" pitchFamily="34" charset="0"/>
+                <a:cs typeface="Arial" panose="020B0604020202020204" pitchFamily="34" charset="0"/>
+              </a:rPr>
               <a:t>. [online] GitHub. Available at: </a:t>
             </a:r>
             <a:r>
               <a:rPr lang="en-GB" dirty="0">
+                <a:latin typeface="Arial" panose="020B0604020202020204" pitchFamily="34" charset="0"/>
+                <a:cs typeface="Arial" panose="020B0604020202020204" pitchFamily="34" charset="0"/>
                 <a:hlinkClick r:id="rId5"/>
               </a:rPr>
               <a:t>https://github.com/Auburn/FastNoiseLite</a:t>
             </a:r>
             <a:r>
-              <a:rPr lang="en-GB" dirty="0"/>
+              <a:rPr lang="en-GB" dirty="0">
+                <a:latin typeface="Arial" panose="020B0604020202020204" pitchFamily="34" charset="0"/>
+                <a:cs typeface="Arial" panose="020B0604020202020204" pitchFamily="34" charset="0"/>
+              </a:rPr>
               <a:t>.	</a:t>
             </a:r>
             <a:endParaRPr lang="en-US" b="1" dirty="0">
-              <a:latin typeface="Neue Haas Grotesk Text Pro"/>
+              <a:latin typeface="Arial" panose="020B0604020202020204" pitchFamily="34" charset="0"/>
               <a:ea typeface="+mn-lt"/>
-              <a:cs typeface="Arial"/>
+              <a:cs typeface="Arial" panose="020B0604020202020204" pitchFamily="34" charset="0"/>
             </a:endParaRPr>
           </a:p>
           <a:p>
             <a:r>
               <a:rPr lang="en-US" b="1" dirty="0">
-                <a:latin typeface="Neue Haas Grotesk Text Pro"/>
+                <a:latin typeface="Arial" panose="020B0604020202020204" pitchFamily="34" charset="0"/>
                 <a:ea typeface="+mn-lt"/>
-                <a:cs typeface="Arial"/>
+                <a:cs typeface="Arial" panose="020B0604020202020204" pitchFamily="34" charset="0"/>
               </a:rPr>
               <a:t>Papers</a:t>
             </a:r>
@@ -4965,25 +5070,39 @@
               <a:buChar char="•"/>
             </a:pPr>
             <a:r>
-              <a:rPr lang="en-GB" dirty="0"/>
+              <a:rPr lang="en-GB" dirty="0">
+                <a:latin typeface="Arial" panose="020B0604020202020204" pitchFamily="34" charset="0"/>
+                <a:cs typeface="Arial" panose="020B0604020202020204" pitchFamily="34" charset="0"/>
+              </a:rPr>
               <a:t>Musgrave, F.K., Kolb, C.E. and Mace, R.S. (1989). The synthesis and rendering of eroded fractal terrains. 23(3), pp.41–50. </a:t>
             </a:r>
             <a:r>
-              <a:rPr lang="en-GB" dirty="0" err="1"/>
+              <a:rPr lang="en-GB" dirty="0" err="1">
+                <a:latin typeface="Arial" panose="020B0604020202020204" pitchFamily="34" charset="0"/>
+                <a:cs typeface="Arial" panose="020B0604020202020204" pitchFamily="34" charset="0"/>
+              </a:rPr>
               <a:t>doi</a:t>
             </a:r>
             <a:r>
-              <a:rPr lang="en-GB" dirty="0"/>
+              <a:rPr lang="en-GB" dirty="0">
+                <a:latin typeface="Arial" panose="020B0604020202020204" pitchFamily="34" charset="0"/>
+                <a:cs typeface="Arial" panose="020B0604020202020204" pitchFamily="34" charset="0"/>
+              </a:rPr>
               <a:t>: </a:t>
             </a:r>
             <a:r>
               <a:rPr lang="en-GB" dirty="0">
+                <a:latin typeface="Arial" panose="020B0604020202020204" pitchFamily="34" charset="0"/>
+                <a:cs typeface="Arial" panose="020B0604020202020204" pitchFamily="34" charset="0"/>
                 <a:hlinkClick r:id="rId6"/>
               </a:rPr>
               <a:t>https://doi.org/10.1145/74334.74337</a:t>
             </a:r>
             <a:r>
-              <a:rPr lang="en-GB" dirty="0"/>
+              <a:rPr lang="en-GB" dirty="0">
+                <a:latin typeface="Arial" panose="020B0604020202020204" pitchFamily="34" charset="0"/>
+                <a:cs typeface="Arial" panose="020B0604020202020204" pitchFamily="34" charset="0"/>
+              </a:rPr>
               <a:t>.</a:t>
             </a:r>
           </a:p>
@@ -4993,60 +5112,96 @@
               <a:buChar char="•"/>
             </a:pPr>
             <a:r>
-              <a:rPr lang="en-GB" dirty="0" err="1"/>
+              <a:rPr lang="en-GB" dirty="0" err="1">
+                <a:latin typeface="Arial" panose="020B0604020202020204" pitchFamily="34" charset="0"/>
+                <a:cs typeface="Arial" panose="020B0604020202020204" pitchFamily="34" charset="0"/>
+              </a:rPr>
               <a:t>Št'ava</a:t>
             </a:r>
             <a:r>
-              <a:rPr lang="en-GB" dirty="0"/>
+              <a:rPr lang="en-GB" dirty="0">
+                <a:latin typeface="Arial" panose="020B0604020202020204" pitchFamily="34" charset="0"/>
+                <a:cs typeface="Arial" panose="020B0604020202020204" pitchFamily="34" charset="0"/>
+              </a:rPr>
               <a:t>, O., </a:t>
             </a:r>
             <a:r>
-              <a:rPr lang="en-GB" dirty="0" err="1"/>
+              <a:rPr lang="en-GB" dirty="0" err="1">
+                <a:latin typeface="Arial" panose="020B0604020202020204" pitchFamily="34" charset="0"/>
+                <a:cs typeface="Arial" panose="020B0604020202020204" pitchFamily="34" charset="0"/>
+              </a:rPr>
               <a:t>Beneš</a:t>
             </a:r>
             <a:r>
-              <a:rPr lang="en-GB" dirty="0"/>
+              <a:rPr lang="en-GB" dirty="0">
+                <a:latin typeface="Arial" panose="020B0604020202020204" pitchFamily="34" charset="0"/>
+                <a:cs typeface="Arial" panose="020B0604020202020204" pitchFamily="34" charset="0"/>
+              </a:rPr>
               <a:t>, B., </a:t>
             </a:r>
             <a:r>
-              <a:rPr lang="en-GB" dirty="0" err="1"/>
+              <a:rPr lang="en-GB" dirty="0" err="1">
+                <a:latin typeface="Arial" panose="020B0604020202020204" pitchFamily="34" charset="0"/>
+                <a:cs typeface="Arial" panose="020B0604020202020204" pitchFamily="34" charset="0"/>
+              </a:rPr>
               <a:t>Brisbin</a:t>
             </a:r>
             <a:r>
-              <a:rPr lang="en-GB" dirty="0"/>
+              <a:rPr lang="en-GB" dirty="0">
+                <a:latin typeface="Arial" panose="020B0604020202020204" pitchFamily="34" charset="0"/>
+                <a:cs typeface="Arial" panose="020B0604020202020204" pitchFamily="34" charset="0"/>
+              </a:rPr>
               <a:t>, M. and </a:t>
             </a:r>
             <a:r>
-              <a:rPr lang="en-GB" dirty="0" err="1"/>
+              <a:rPr lang="en-GB" dirty="0" err="1">
+                <a:latin typeface="Arial" panose="020B0604020202020204" pitchFamily="34" charset="0"/>
+                <a:cs typeface="Arial" panose="020B0604020202020204" pitchFamily="34" charset="0"/>
+              </a:rPr>
               <a:t>Křivánek</a:t>
             </a:r>
             <a:r>
-              <a:rPr lang="en-GB" dirty="0"/>
+              <a:rPr lang="en-GB" dirty="0">
+                <a:latin typeface="Arial" panose="020B0604020202020204" pitchFamily="34" charset="0"/>
+                <a:cs typeface="Arial" panose="020B0604020202020204" pitchFamily="34" charset="0"/>
+              </a:rPr>
               <a:t>, J. (2008). Interactive Terrain </a:t>
             </a:r>
             <a:r>
-              <a:rPr lang="en-GB" dirty="0" err="1"/>
+              <a:rPr lang="en-GB" dirty="0" err="1">
+                <a:latin typeface="Arial" panose="020B0604020202020204" pitchFamily="34" charset="0"/>
+                <a:cs typeface="Arial" panose="020B0604020202020204" pitchFamily="34" charset="0"/>
+              </a:rPr>
               <a:t>Modeling</a:t>
             </a:r>
             <a:r>
-              <a:rPr lang="en-GB" dirty="0"/>
+              <a:rPr lang="en-GB" dirty="0">
+                <a:latin typeface="Arial" panose="020B0604020202020204" pitchFamily="34" charset="0"/>
+                <a:cs typeface="Arial" panose="020B0604020202020204" pitchFamily="34" charset="0"/>
+              </a:rPr>
               <a:t> Using Hydraulic Erosion. Available at: </a:t>
             </a:r>
             <a:r>
               <a:rPr lang="en-GB" dirty="0">
+                <a:latin typeface="Arial" panose="020B0604020202020204" pitchFamily="34" charset="0"/>
+                <a:cs typeface="Arial" panose="020B0604020202020204" pitchFamily="34" charset="0"/>
                 <a:hlinkClick r:id="rId7"/>
               </a:rPr>
               <a:t>https://cgg.mff.cuni.cz/~jaroslav/papers/2008-sca-erosim/2008-sca-erosiom-fin.pdf</a:t>
             </a:r>
             <a:r>
-              <a:rPr lang="en-GB" dirty="0"/>
+              <a:rPr lang="en-GB" dirty="0">
+                <a:latin typeface="Arial" panose="020B0604020202020204" pitchFamily="34" charset="0"/>
+                <a:cs typeface="Arial" panose="020B0604020202020204" pitchFamily="34" charset="0"/>
+              </a:rPr>
               <a:t>.</a:t>
             </a:r>
             <a:endParaRPr lang="en-US" dirty="0">
               <a:solidFill>
                 <a:srgbClr val="FFC000"/>
               </a:solidFill>
-              <a:latin typeface="Neue Haas Grotesk Text Pro"/>
+              <a:latin typeface="Arial" panose="020B0604020202020204" pitchFamily="34" charset="0"/>
+              <a:cs typeface="Arial" panose="020B0604020202020204" pitchFamily="34" charset="0"/>
             </a:endParaRPr>
           </a:p>
         </p:txBody>
@@ -5173,16 +5328,16 @@
         </p:spPr>
         <p:txBody>
           <a:bodyPr vert="horz" lIns="91440" tIns="45720" rIns="91440" bIns="45720" rtlCol="0" anchor="t">
-            <a:normAutofit fontScale="85000" lnSpcReduction="10000"/>
+            <a:normAutofit fontScale="85000" lnSpcReduction="20000"/>
           </a:bodyPr>
           <a:lstStyle/>
           <a:p>
             <a:pPr marL="285750" indent="-285750"/>
             <a:r>
               <a:rPr lang="en-US" dirty="0">
-                <a:latin typeface="Neue Haas Grotesk Text Pro"/>
+                <a:latin typeface="Arial" panose="020B0604020202020204" pitchFamily="34" charset="0"/>
                 <a:ea typeface="+mn-lt"/>
-                <a:cs typeface="Calibri"/>
+                <a:cs typeface="Arial" panose="020B0604020202020204" pitchFamily="34" charset="0"/>
               </a:rPr>
               <a:t>A tool which allows users to create and export a landscape/terrain</a:t>
             </a:r>
@@ -5191,110 +5346,124 @@
             <a:pPr marL="285750" indent="-285750"/>
             <a:r>
               <a:rPr lang="en-US" dirty="0">
-                <a:latin typeface="Neue Haas Grotesk Text Pro"/>
+                <a:latin typeface="Arial" panose="020B0604020202020204" pitchFamily="34" charset="0"/>
                 <a:ea typeface="+mn-lt"/>
-                <a:cs typeface="Calibri"/>
-              </a:rPr>
-              <a:t>The tool should be able to work in game dev engines and by using user settable parameters create terrain.</a:t>
+                <a:cs typeface="Arial" panose="020B0604020202020204" pitchFamily="34" charset="0"/>
+              </a:rPr>
+              <a:t>The tool could possible be able to work in game dev engines and by using user settable parameters create terrain.</a:t>
             </a:r>
           </a:p>
           <a:p>
             <a:pPr marL="285750" indent="-285750"/>
             <a:r>
               <a:rPr lang="en-US" dirty="0">
-                <a:latin typeface="Neue Haas Grotesk Text Pro"/>
-                <a:cs typeface="Calibri"/>
-              </a:rPr>
-              <a:t>Within the standalone tool there are user tools which allow manipulation of the generated terrain like manual alteration of terrain, generation of natural features and natural or man made erosion.</a:t>
+                <a:latin typeface="Arial" panose="020B0604020202020204" pitchFamily="34" charset="0"/>
+                <a:cs typeface="Arial" panose="020B0604020202020204" pitchFamily="34" charset="0"/>
+              </a:rPr>
+              <a:t>Within the standalone tool there are user tools which allow manipulation of the generated terrain like terrain brushes, tree brushes, river making, generation of natural features and natural or man made erosion.</a:t>
             </a:r>
           </a:p>
           <a:p>
             <a:pPr marL="285750" indent="-285750"/>
             <a:r>
               <a:rPr lang="en-US" dirty="0">
-                <a:latin typeface="Neue Haas Grotesk Text Pro"/>
+                <a:latin typeface="Arial" panose="020B0604020202020204" pitchFamily="34" charset="0"/>
+                <a:cs typeface="Arial" panose="020B0604020202020204" pitchFamily="34" charset="0"/>
+              </a:rPr>
+              <a:t>Allow for exporting and importing of the file.</a:t>
+            </a:r>
+          </a:p>
+          <a:p>
+            <a:pPr marL="285750" indent="-285750"/>
+            <a:r>
+              <a:rPr lang="en-US" dirty="0">
+                <a:latin typeface="Arial" panose="020B0604020202020204" pitchFamily="34" charset="0"/>
                 <a:ea typeface="+mn-lt"/>
-                <a:cs typeface="Calibri"/>
+                <a:cs typeface="Arial" panose="020B0604020202020204" pitchFamily="34" charset="0"/>
               </a:rPr>
               <a:t>Clearly specifying the importance of different features of the program from the core parts of the tool to the bells and whistles</a:t>
             </a:r>
+          </a:p>
+          <a:p>
+            <a:r>
+              <a:rPr lang="en-US" b="1" dirty="0">
+                <a:latin typeface="Arial" panose="020B0604020202020204" pitchFamily="34" charset="0"/>
+                <a:ea typeface="+mn-lt"/>
+                <a:cs typeface="Arial" panose="020B0604020202020204" pitchFamily="34" charset="0"/>
+              </a:rPr>
+              <a:t>Milestones</a:t>
+            </a:r>
+            <a:r>
+              <a:rPr lang="en-US" dirty="0">
+                <a:latin typeface="Arial" panose="020B0604020202020204" pitchFamily="34" charset="0"/>
+                <a:ea typeface="+mn-lt"/>
+                <a:cs typeface="Arial" panose="020B0604020202020204" pitchFamily="34" charset="0"/>
+              </a:rPr>
+              <a:t>: Completion of the full initial plan for the tool and all main features along with research assisting in development</a:t>
+            </a:r>
+          </a:p>
+          <a:p>
+            <a:r>
+              <a:rPr lang="en-US" dirty="0">
+                <a:latin typeface="Arial" panose="020B0604020202020204" pitchFamily="34" charset="0"/>
+                <a:ea typeface="+mn-lt"/>
+                <a:cs typeface="Arial" panose="020B0604020202020204" pitchFamily="34" charset="0"/>
+              </a:rPr>
+              <a:t>Completing the bare minimum of the tool</a:t>
+            </a:r>
+          </a:p>
+          <a:p>
+            <a:r>
+              <a:rPr lang="en-US" dirty="0">
+                <a:latin typeface="Arial" panose="020B0604020202020204" pitchFamily="34" charset="0"/>
+                <a:ea typeface="+mn-lt"/>
+                <a:cs typeface="Arial" panose="020B0604020202020204" pitchFamily="34" charset="0"/>
+              </a:rPr>
+              <a:t>UI and UX surveys and building on feedback</a:t>
+            </a:r>
+          </a:p>
+          <a:p>
+            <a:r>
+              <a:rPr lang="en-US" dirty="0">
+                <a:latin typeface="Arial" panose="020B0604020202020204" pitchFamily="34" charset="0"/>
+                <a:ea typeface="+mn-lt"/>
+                <a:cs typeface="Arial" panose="020B0604020202020204" pitchFamily="34" charset="0"/>
+              </a:rPr>
+              <a:t>Bells and whistles</a:t>
+            </a:r>
+          </a:p>
+          <a:p>
+            <a:r>
+              <a:rPr lang="en-US" dirty="0">
+                <a:latin typeface="Arial" panose="020B0604020202020204" pitchFamily="34" charset="0"/>
+                <a:ea typeface="+mn-lt"/>
+                <a:cs typeface="Arial" panose="020B0604020202020204" pitchFamily="34" charset="0"/>
+              </a:rPr>
+              <a:t>Possibly engine compatibility</a:t>
+            </a:r>
+          </a:p>
+          <a:p>
+            <a:r>
+              <a:rPr lang="en-US" dirty="0">
+                <a:latin typeface="Arial" panose="020B0604020202020204" pitchFamily="34" charset="0"/>
+                <a:ea typeface="+mn-lt"/>
+                <a:cs typeface="Arial" panose="020B0604020202020204" pitchFamily="34" charset="0"/>
+              </a:rPr>
+              <a:t>More feedback</a:t>
+            </a:r>
+          </a:p>
+          <a:p>
+            <a:r>
+              <a:rPr lang="en-US" dirty="0">
+                <a:latin typeface="Arial" panose="020B0604020202020204" pitchFamily="34" charset="0"/>
+                <a:ea typeface="+mn-lt"/>
+                <a:cs typeface="Arial" panose="020B0604020202020204" pitchFamily="34" charset="0"/>
+              </a:rPr>
+              <a:t>Finalizing</a:t>
+            </a:r>
             <a:endParaRPr lang="en-US" dirty="0">
-              <a:ea typeface="+mn-lt"/>
-              <a:cs typeface="Calibri"/>
-            </a:endParaRPr>
-          </a:p>
-          <a:p>
-            <a:r>
-              <a:rPr lang="en-US" b="1" dirty="0">
-                <a:ea typeface="+mn-lt"/>
-                <a:cs typeface="+mn-lt"/>
-              </a:rPr>
-              <a:t>Milestones</a:t>
-            </a:r>
-            <a:r>
-              <a:rPr lang="en-US" dirty="0">
-                <a:ea typeface="+mn-lt"/>
-                <a:cs typeface="+mn-lt"/>
-              </a:rPr>
-              <a:t>: Completion of the full initial plan for the tool and all main features along with research assisting in development</a:t>
-            </a:r>
-          </a:p>
-          <a:p>
-            <a:r>
-              <a:rPr lang="en-US" dirty="0">
-                <a:ea typeface="+mn-lt"/>
-                <a:cs typeface="+mn-lt"/>
-              </a:rPr>
-              <a:t>Completing the bare minimum of the tool</a:t>
-            </a:r>
-          </a:p>
-          <a:p>
-            <a:r>
-              <a:rPr lang="en-US" dirty="0">
-                <a:ea typeface="+mn-lt"/>
-                <a:cs typeface="+mn-lt"/>
-              </a:rPr>
-              <a:t>Implementing compatibility with game engines</a:t>
-            </a:r>
-          </a:p>
-          <a:p>
-            <a:r>
-              <a:rPr lang="en-US" dirty="0">
-                <a:ea typeface="+mn-lt"/>
-                <a:cs typeface="+mn-lt"/>
-              </a:rPr>
-              <a:t>UI and UX surveys and building on feedback</a:t>
-            </a:r>
-          </a:p>
-          <a:p>
-            <a:r>
-              <a:rPr lang="en-US" dirty="0">
-                <a:ea typeface="+mn-lt"/>
-                <a:cs typeface="+mn-lt"/>
-              </a:rPr>
-              <a:t>Bells and whistles</a:t>
-            </a:r>
-          </a:p>
-          <a:p>
-            <a:r>
-              <a:rPr lang="en-US" dirty="0">
-                <a:ea typeface="+mn-lt"/>
-                <a:cs typeface="+mn-lt"/>
-              </a:rPr>
-              <a:t>More feedback</a:t>
-            </a:r>
-          </a:p>
-          <a:p>
-            <a:r>
-              <a:rPr lang="en-US" dirty="0">
-                <a:ea typeface="+mn-lt"/>
-                <a:cs typeface="+mn-lt"/>
-              </a:rPr>
-              <a:t>Finalizing</a:t>
-            </a:r>
-            <a:endParaRPr lang="en-US" dirty="0">
-              <a:latin typeface="Neue Haas Grotesk Text Pro"/>
-              <a:cs typeface="Calibri"/>
+              <a:latin typeface="Arial" panose="020B0604020202020204" pitchFamily="34" charset="0"/>
+              <a:cs typeface="Arial" panose="020B0604020202020204" pitchFamily="34" charset="0"/>
             </a:endParaRPr>
           </a:p>
           <a:p>
@@ -5599,10 +5768,10 @@
       </p:sp>
       <p:pic>
         <p:nvPicPr>
-          <p:cNvPr id="5" name="Picture 4" descr="A graph of a project&#10;&#10;Description automatically generated">
-            <a:extLst>
-              <a:ext uri="{FF2B5EF4-FFF2-40B4-BE49-F238E27FC236}">
-                <a16:creationId xmlns:a16="http://schemas.microsoft.com/office/drawing/2014/main" id="{811FED45-EF25-912C-55BC-292570C161B1}"/>
+          <p:cNvPr id="6" name="Picture 5" descr="A graph with green and blue bars&#10;&#10;Description automatically generated">
+            <a:extLst>
+              <a:ext uri="{FF2B5EF4-FFF2-40B4-BE49-F238E27FC236}">
+                <a16:creationId xmlns:a16="http://schemas.microsoft.com/office/drawing/2014/main" id="{F6A012C9-BCA3-A57F-03E9-0817C13850EA}"/>
               </a:ext>
             </a:extLst>
           </p:cNvPr>
@@ -5619,8 +5788,8 @@
         </p:blipFill>
         <p:spPr>
           <a:xfrm>
-            <a:off x="0" y="2028820"/>
-            <a:ext cx="12192000" cy="3294135"/>
+            <a:off x="0" y="1838020"/>
+            <a:ext cx="12192000" cy="3181960"/>
           </a:xfrm>
           <a:prstGeom prst="rect">
             <a:avLst/>
@@ -5851,31 +6020,46 @@
 </file>
 
 <file path=customXml/item2.xml><?xml version="1.0" encoding="utf-8"?>
-<ct:contentTypeSchema xmlns:ct="http://schemas.microsoft.com/office/2006/metadata/contentType" xmlns:ma="http://schemas.microsoft.com/office/2006/metadata/properties/metaAttributes" ct:_="" ma:_="" ma:contentTypeName="Document" ma:contentTypeID="0x010100F3BF76585360BE4BB8D976A1E44FFC30" ma:contentTypeVersion="16" ma:contentTypeDescription="Create a new document." ma:contentTypeScope="" ma:versionID="aa1788dcdf23072cdcc4cc53e58b98a6">
-  <xsd:schema xmlns:xsd="http://www.w3.org/2001/XMLSchema" xmlns:xs="http://www.w3.org/2001/XMLSchema" xmlns:p="http://schemas.microsoft.com/office/2006/metadata/properties" xmlns:ns2="45c0638f-8904-45ab-b124-b1f7ff451179" xmlns:ns3="ac1d6235-51e3-4a29-8ef4-963eeebbd849" targetNamespace="http://schemas.microsoft.com/office/2006/metadata/properties" ma:root="true" ma:fieldsID="e2718d4e96c922d69dbf9eb86cef7778" ns2:_="" ns3:_="">
-    <xsd:import namespace="45c0638f-8904-45ab-b124-b1f7ff451179"/>
-    <xsd:import namespace="ac1d6235-51e3-4a29-8ef4-963eeebbd849"/>
+<p:properties xmlns:p="http://schemas.microsoft.com/office/2006/metadata/properties" xmlns:xsi="http://www.w3.org/2001/XMLSchema-instance" xmlns:pc="http://schemas.microsoft.com/office/infopath/2007/PartnerControls">
+  <documentManagement>
+    <SharedWithUsers xmlns="c54a37ca-9890-45c6-a15b-01b4ec6d0fc3">
+      <UserInfo>
+        <DisplayName/>
+        <AccountId xsi:nil="true"/>
+        <AccountType/>
+      </UserInfo>
+    </SharedWithUsers>
+    <_activity xmlns="8221f12d-b284-4398-9345-3006e858cb5f" xsi:nil="true"/>
+  </documentManagement>
+</p:properties>
+</file>
+
+<file path=customXml/item3.xml><?xml version="1.0" encoding="utf-8"?>
+<ct:contentTypeSchema xmlns:ct="http://schemas.microsoft.com/office/2006/metadata/contentType" xmlns:ma="http://schemas.microsoft.com/office/2006/metadata/properties/metaAttributes" ct:_="" ma:_="" ma:contentTypeName="Document" ma:contentTypeID="0x010100F23925FBC9321749AE5FC11C5A152F8F" ma:contentTypeVersion="15" ma:contentTypeDescription="Create a new document." ma:contentTypeScope="" ma:versionID="36aca9a5fbf84d82410d0e19df36db16">
+  <xsd:schema xmlns:xsd="http://www.w3.org/2001/XMLSchema" xmlns:xs="http://www.w3.org/2001/XMLSchema" xmlns:p="http://schemas.microsoft.com/office/2006/metadata/properties" xmlns:ns3="8221f12d-b284-4398-9345-3006e858cb5f" xmlns:ns4="c54a37ca-9890-45c6-a15b-01b4ec6d0fc3" targetNamespace="http://schemas.microsoft.com/office/2006/metadata/properties" ma:root="true" ma:fieldsID="9e509d87a9952351e26e79107dcd7b0a" ns3:_="" ns4:_="">
+    <xsd:import namespace="8221f12d-b284-4398-9345-3006e858cb5f"/>
+    <xsd:import namespace="c54a37ca-9890-45c6-a15b-01b4ec6d0fc3"/>
     <xsd:element name="properties">
       <xsd:complexType>
         <xsd:sequence>
           <xsd:element name="documentManagement">
             <xsd:complexType>
               <xsd:all>
-                <xsd:element ref="ns2:MediaServiceMetadata" minOccurs="0"/>
-                <xsd:element ref="ns2:MediaServiceFastMetadata" minOccurs="0"/>
-                <xsd:element ref="ns2:MediaServiceObjectDetectorVersions" minOccurs="0"/>
-                <xsd:element ref="ns2:MediaServiceDateTaken" minOccurs="0"/>
-                <xsd:element ref="ns2:MediaLengthInSeconds" minOccurs="0"/>
-                <xsd:element ref="ns2:lcf76f155ced4ddcb4097134ff3c332f" minOccurs="0"/>
-                <xsd:element ref="ns3:TaxCatchAll" minOccurs="0"/>
-                <xsd:element ref="ns2:MediaServiceOCR" minOccurs="0"/>
-                <xsd:element ref="ns2:MediaServiceGenerationTime" minOccurs="0"/>
-                <xsd:element ref="ns2:MediaServiceEventHashCode" minOccurs="0"/>
-                <xsd:element ref="ns3:SharedWithUsers" minOccurs="0"/>
-                <xsd:element ref="ns3:SharedWithDetails" minOccurs="0"/>
-                <xsd:element ref="ns2:Topics" minOccurs="0"/>
-                <xsd:element ref="ns2:MediaServiceLocation" minOccurs="0"/>
-                <xsd:element ref="ns2:MediaServiceSearchProperties" minOccurs="0"/>
+                <xsd:element ref="ns3:MediaServiceMetadata" minOccurs="0"/>
+                <xsd:element ref="ns3:MediaServiceFastMetadata" minOccurs="0"/>
+                <xsd:element ref="ns3:MediaServiceAutoTags" minOccurs="0"/>
+                <xsd:element ref="ns3:MediaServiceGenerationTime" minOccurs="0"/>
+                <xsd:element ref="ns3:MediaServiceEventHashCode" minOccurs="0"/>
+                <xsd:element ref="ns3:MediaServiceDateTaken" minOccurs="0"/>
+                <xsd:element ref="ns3:MediaLengthInSeconds" minOccurs="0"/>
+                <xsd:element ref="ns3:MediaServiceOCR" minOccurs="0"/>
+                <xsd:element ref="ns3:_activity" minOccurs="0"/>
+                <xsd:element ref="ns4:SharedWithUsers" minOccurs="0"/>
+                <xsd:element ref="ns4:SharedWithDetails" minOccurs="0"/>
+                <xsd:element ref="ns4:SharingHintHash" minOccurs="0"/>
+                <xsd:element ref="ns3:MediaServiceObjectDetectorVersions" minOccurs="0"/>
+                <xsd:element ref="ns3:MediaServiceSystemTags" minOccurs="0"/>
+                <xsd:element ref="ns3:MediaServiceSearchProperties" minOccurs="0"/>
               </xsd:all>
             </xsd:complexType>
           </xsd:element>
@@ -5883,7 +6067,7 @@
       </xsd:complexType>
     </xsd:element>
   </xsd:schema>
-  <xsd:schema xmlns:xsd="http://www.w3.org/2001/XMLSchema" xmlns:xs="http://www.w3.org/2001/XMLSchema" xmlns:dms="http://schemas.microsoft.com/office/2006/documentManagement/types" xmlns:pc="http://schemas.microsoft.com/office/infopath/2007/PartnerControls" targetNamespace="45c0638f-8904-45ab-b124-b1f7ff451179" elementFormDefault="qualified">
+  <xsd:schema xmlns:xsd="http://www.w3.org/2001/XMLSchema" xmlns:xs="http://www.w3.org/2001/XMLSchema" xmlns:dms="http://schemas.microsoft.com/office/2006/documentManagement/types" xmlns:pc="http://schemas.microsoft.com/office/infopath/2007/PartnerControls" targetNamespace="8221f12d-b284-4398-9345-3006e858cb5f" elementFormDefault="qualified">
     <xsd:import namespace="http://schemas.microsoft.com/office/2006/documentManagement/types"/>
     <xsd:import namespace="http://schemas.microsoft.com/office/infopath/2007/PartnerControls"/>
     <xsd:element name="MediaServiceMetadata" ma:index="8" nillable="true" ma:displayName="MediaServiceMetadata" ma:hidden="true" ma:internalName="MediaServiceMetadata" ma:readOnly="true">
@@ -5896,78 +6080,63 @@
         <xsd:restriction base="dms:Note"/>
       </xsd:simpleType>
     </xsd:element>
-    <xsd:element name="MediaServiceObjectDetectorVersions" ma:index="10" nillable="true" ma:displayName="MediaServiceObjectDetectorVersions" ma:hidden="true" ma:indexed="true" ma:internalName="MediaServiceObjectDetectorVersions" ma:readOnly="true">
+    <xsd:element name="MediaServiceAutoTags" ma:index="10" nillable="true" ma:displayName="Tags" ma:internalName="MediaServiceAutoTags" ma:readOnly="true">
       <xsd:simpleType>
         <xsd:restriction base="dms:Text"/>
       </xsd:simpleType>
     </xsd:element>
-    <xsd:element name="MediaServiceDateTaken" ma:index="11" nillable="true" ma:displayName="MediaServiceDateTaken" ma:hidden="true" ma:indexed="true" ma:internalName="MediaServiceDateTaken" ma:readOnly="true">
+    <xsd:element name="MediaServiceGenerationTime" ma:index="11" nillable="true" ma:displayName="MediaServiceGenerationTime" ma:hidden="true" ma:internalName="MediaServiceGenerationTime" ma:readOnly="true">
       <xsd:simpleType>
         <xsd:restriction base="dms:Text"/>
       </xsd:simpleType>
     </xsd:element>
-    <xsd:element name="MediaLengthInSeconds" ma:index="12" nillable="true" ma:displayName="MediaLengthInSeconds" ma:hidden="true" ma:internalName="MediaLengthInSeconds" ma:readOnly="true">
+    <xsd:element name="MediaServiceEventHashCode" ma:index="12" nillable="true" ma:displayName="MediaServiceEventHashCode" ma:hidden="true" ma:internalName="MediaServiceEventHashCode" ma:readOnly="true">
+      <xsd:simpleType>
+        <xsd:restriction base="dms:Text"/>
+      </xsd:simpleType>
+    </xsd:element>
+    <xsd:element name="MediaServiceDateTaken" ma:index="13" nillable="true" ma:displayName="MediaServiceDateTaken" ma:description="" ma:hidden="true" ma:indexed="true" ma:internalName="MediaServiceDateTaken" ma:readOnly="true">
+      <xsd:simpleType>
+        <xsd:restriction base="dms:Text"/>
+      </xsd:simpleType>
+    </xsd:element>
+    <xsd:element name="MediaLengthInSeconds" ma:index="14" nillable="true" ma:displayName="MediaLengthInSeconds" ma:hidden="true" ma:internalName="MediaLengthInSeconds" ma:readOnly="true">
       <xsd:simpleType>
         <xsd:restriction base="dms:Unknown"/>
       </xsd:simpleType>
     </xsd:element>
-    <xsd:element name="lcf76f155ced4ddcb4097134ff3c332f" ma:index="14" nillable="true" ma:taxonomy="true" ma:internalName="lcf76f155ced4ddcb4097134ff3c332f" ma:taxonomyFieldName="MediaServiceImageTags" ma:displayName="Image Tags" ma:readOnly="false" ma:fieldId="{5cf76f15-5ced-4ddc-b409-7134ff3c332f}" ma:taxonomyMulti="true" ma:sspId="9151cd1a-81c0-4f7e-8bca-7c9d41dcf3fb" ma:termSetId="09814cd3-568e-fe90-9814-8d621ff8fb84" ma:anchorId="fba54fb3-c3e1-fe81-a776-ca4b69148c4d" ma:open="true" ma:isKeyword="false">
-      <xsd:complexType>
-        <xsd:sequence>
-          <xsd:element ref="pc:Terms" minOccurs="0" maxOccurs="1"/>
-        </xsd:sequence>
-      </xsd:complexType>
-    </xsd:element>
-    <xsd:element name="MediaServiceOCR" ma:index="16" nillable="true" ma:displayName="Extracted Text" ma:internalName="MediaServiceOCR" ma:readOnly="true">
+    <xsd:element name="MediaServiceOCR" ma:index="15" nillable="true" ma:displayName="Extracted Text" ma:internalName="MediaServiceOCR" ma:readOnly="true">
       <xsd:simpleType>
         <xsd:restriction base="dms:Note">
           <xsd:maxLength value="255"/>
         </xsd:restriction>
       </xsd:simpleType>
     </xsd:element>
-    <xsd:element name="MediaServiceGenerationTime" ma:index="17" nillable="true" ma:displayName="MediaServiceGenerationTime" ma:hidden="true" ma:internalName="MediaServiceGenerationTime" ma:readOnly="true">
+    <xsd:element name="_activity" ma:index="16" nillable="true" ma:displayName="_activity" ma:hidden="true" ma:internalName="_activity">
+      <xsd:simpleType>
+        <xsd:restriction base="dms:Note"/>
+      </xsd:simpleType>
+    </xsd:element>
+    <xsd:element name="MediaServiceObjectDetectorVersions" ma:index="20" nillable="true" ma:displayName="MediaServiceObjectDetectorVersions" ma:description="" ma:hidden="true" ma:indexed="true" ma:internalName="MediaServiceObjectDetectorVersions" ma:readOnly="true">
       <xsd:simpleType>
         <xsd:restriction base="dms:Text"/>
       </xsd:simpleType>
     </xsd:element>
-    <xsd:element name="MediaServiceEventHashCode" ma:index="18" nillable="true" ma:displayName="MediaServiceEventHashCode" ma:hidden="true" ma:internalName="MediaServiceEventHashCode" ma:readOnly="true">
+    <xsd:element name="MediaServiceSystemTags" ma:index="21" nillable="true" ma:displayName="MediaServiceSystemTags" ma:hidden="true" ma:internalName="MediaServiceSystemTags" ma:readOnly="true">
       <xsd:simpleType>
-        <xsd:restriction base="dms:Text"/>
+        <xsd:restriction base="dms:Note"/>
       </xsd:simpleType>
     </xsd:element>
-    <xsd:element name="Topics" ma:index="21" nillable="true" ma:displayName="Topics" ma:format="Dropdown" ma:internalName="Topics">
-      <xsd:simpleType>
-        <xsd:restriction base="dms:Text">
-          <xsd:maxLength value="255"/>
-        </xsd:restriction>
-      </xsd:simpleType>
-    </xsd:element>
-    <xsd:element name="MediaServiceLocation" ma:index="22" nillable="true" ma:displayName="Location" ma:indexed="true" ma:internalName="MediaServiceLocation" ma:readOnly="true">
-      <xsd:simpleType>
-        <xsd:restriction base="dms:Text"/>
-      </xsd:simpleType>
-    </xsd:element>
-    <xsd:element name="MediaServiceSearchProperties" ma:index="23" nillable="true" ma:displayName="MediaServiceSearchProperties" ma:hidden="true" ma:internalName="MediaServiceSearchProperties" ma:readOnly="true">
+    <xsd:element name="MediaServiceSearchProperties" ma:index="22" nillable="true" ma:displayName="MediaServiceSearchProperties" ma:hidden="true" ma:internalName="MediaServiceSearchProperties" ma:readOnly="true">
       <xsd:simpleType>
         <xsd:restriction base="dms:Note"/>
       </xsd:simpleType>
     </xsd:element>
   </xsd:schema>
-  <xsd:schema xmlns:xsd="http://www.w3.org/2001/XMLSchema" xmlns:xs="http://www.w3.org/2001/XMLSchema" xmlns:dms="http://schemas.microsoft.com/office/2006/documentManagement/types" xmlns:pc="http://schemas.microsoft.com/office/infopath/2007/PartnerControls" targetNamespace="ac1d6235-51e3-4a29-8ef4-963eeebbd849" elementFormDefault="qualified">
+  <xsd:schema xmlns:xsd="http://www.w3.org/2001/XMLSchema" xmlns:xs="http://www.w3.org/2001/XMLSchema" xmlns:dms="http://schemas.microsoft.com/office/2006/documentManagement/types" xmlns:pc="http://schemas.microsoft.com/office/infopath/2007/PartnerControls" targetNamespace="c54a37ca-9890-45c6-a15b-01b4ec6d0fc3" elementFormDefault="qualified">
     <xsd:import namespace="http://schemas.microsoft.com/office/2006/documentManagement/types"/>
     <xsd:import namespace="http://schemas.microsoft.com/office/infopath/2007/PartnerControls"/>
-    <xsd:element name="TaxCatchAll" ma:index="15" nillable="true" ma:displayName="Taxonomy Catch All Column" ma:hidden="true" ma:list="{3edadf58-48e6-41c9-9b5a-4b8859450888}" ma:internalName="TaxCatchAll" ma:showField="CatchAllData" ma:web="ac1d6235-51e3-4a29-8ef4-963eeebbd849">
-      <xsd:complexType>
-        <xsd:complexContent>
-          <xsd:extension base="dms:MultiChoiceLookup">
-            <xsd:sequence>
-              <xsd:element name="Value" type="dms:Lookup" maxOccurs="unbounded" minOccurs="0" nillable="true"/>
-            </xsd:sequence>
-          </xsd:extension>
-        </xsd:complexContent>
-      </xsd:complexType>
-    </xsd:element>
-    <xsd:element name="SharedWithUsers" ma:index="19" nillable="true" ma:displayName="Shared With" ma:internalName="SharedWithUsers" ma:readOnly="true">
+    <xsd:element name="SharedWithUsers" ma:index="17" nillable="true" ma:displayName="Shared With" ma:internalName="SharedWithUsers" ma:readOnly="true">
       <xsd:complexType>
         <xsd:complexContent>
           <xsd:extension base="dms:UserMulti">
@@ -5986,11 +6155,16 @@
         </xsd:complexContent>
       </xsd:complexType>
     </xsd:element>
-    <xsd:element name="SharedWithDetails" ma:index="20" nillable="true" ma:displayName="Shared With Details" ma:internalName="SharedWithDetails" ma:readOnly="true">
+    <xsd:element name="SharedWithDetails" ma:index="18" nillable="true" ma:displayName="Shared With Details" ma:internalName="SharedWithDetails" ma:readOnly="true">
       <xsd:simpleType>
         <xsd:restriction base="dms:Note">
           <xsd:maxLength value="255"/>
         </xsd:restriction>
+      </xsd:simpleType>
+    </xsd:element>
+    <xsd:element name="SharingHintHash" ma:index="19" nillable="true" ma:displayName="Sharing Hint Hash" ma:hidden="true" ma:internalName="SharingHintHash" ma:readOnly="true">
+      <xsd:simpleType>
+        <xsd:restriction base="dms:Text"/>
       </xsd:simpleType>
     </xsd:element>
   </xsd:schema>
@@ -6093,25 +6267,6 @@
 </ct:contentTypeSchema>
 </file>
 
-<file path=customXml/item3.xml><?xml version="1.0" encoding="utf-8"?>
-<p:properties xmlns:p="http://schemas.microsoft.com/office/2006/metadata/properties" xmlns:xsi="http://www.w3.org/2001/XMLSchema-instance" xmlns:pc="http://schemas.microsoft.com/office/infopath/2007/PartnerControls">
-  <documentManagement>
-    <Topics xmlns="45c0638f-8904-45ab-b124-b1f7ff451179" xsi:nil="true"/>
-    <TaxCatchAll xmlns="ac1d6235-51e3-4a29-8ef4-963eeebbd849" xsi:nil="true"/>
-    <lcf76f155ced4ddcb4097134ff3c332f xmlns="45c0638f-8904-45ab-b124-b1f7ff451179">
-      <Terms xmlns="http://schemas.microsoft.com/office/infopath/2007/PartnerControls"/>
-    </lcf76f155ced4ddcb4097134ff3c332f>
-    <SharedWithUsers xmlns="ac1d6235-51e3-4a29-8ef4-963eeebbd849">
-      <UserInfo>
-        <DisplayName/>
-        <AccountId xsi:nil="true"/>
-        <AccountType/>
-      </UserInfo>
-    </SharedWithUsers>
-  </documentManagement>
-</p:properties>
-</file>
-
 <file path=customXml/itemProps1.xml><?xml version="1.0" encoding="utf-8"?>
 <ds:datastoreItem xmlns:ds="http://schemas.openxmlformats.org/officeDocument/2006/customXml" ds:itemID="{475A8469-11B7-49DA-B3FC-F2755995F5B4}">
   <ds:schemaRefs>
@@ -6121,31 +6276,37 @@
 </file>
 
 <file path=customXml/itemProps2.xml><?xml version="1.0" encoding="utf-8"?>
-<ds:datastoreItem xmlns:ds="http://schemas.openxmlformats.org/officeDocument/2006/customXml" ds:itemID="{09BC403E-6CC5-4780-B037-2B3F03E5F24F}">
+<ds:datastoreItem xmlns:ds="http://schemas.openxmlformats.org/officeDocument/2006/customXml" ds:itemID="{25CC142F-F120-4F30-AC4C-0B7512E2EB19}">
   <ds:schemaRefs>
-    <ds:schemaRef ds:uri="45c0638f-8904-45ab-b124-b1f7ff451179"/>
-    <ds:schemaRef ds:uri="ac1d6235-51e3-4a29-8ef4-963eeebbd849"/>
+    <ds:schemaRef ds:uri="http://purl.org/dc/dcmitype/"/>
+    <ds:schemaRef ds:uri="c54a37ca-9890-45c6-a15b-01b4ec6d0fc3"/>
+    <ds:schemaRef ds:uri="http://schemas.microsoft.com/office/2006/documentManagement/types"/>
+    <ds:schemaRef ds:uri="http://purl.org/dc/terms/"/>
+    <ds:schemaRef ds:uri="http://schemas.openxmlformats.org/package/2006/metadata/core-properties"/>
+    <ds:schemaRef ds:uri="http://schemas.microsoft.com/office/2006/metadata/properties"/>
     <ds:schemaRef ds:uri="http://purl.org/dc/elements/1.1/"/>
-    <ds:schemaRef ds:uri="http://purl.org/dc/terms/"/>
-    <ds:schemaRef ds:uri="http://schemas.microsoft.com/internal/obd"/>
-    <ds:schemaRef ds:uri="http://schemas.microsoft.com/office/2006/documentManagement/types"/>
-    <ds:schemaRef ds:uri="http://schemas.microsoft.com/office/2006/metadata/contentType"/>
-    <ds:schemaRef ds:uri="http://schemas.microsoft.com/office/2006/metadata/properties"/>
-    <ds:schemaRef ds:uri="http://schemas.microsoft.com/office/2006/metadata/properties/metaAttributes"/>
     <ds:schemaRef ds:uri="http://schemas.microsoft.com/office/infopath/2007/PartnerControls"/>
-    <ds:schemaRef ds:uri="http://schemas.openxmlformats.org/package/2006/metadata/core-properties"/>
-    <ds:schemaRef ds:uri="http://www.w3.org/2001/XMLSchema"/>
+    <ds:schemaRef ds:uri="8221f12d-b284-4398-9345-3006e858cb5f"/>
+    <ds:schemaRef ds:uri="http://www.w3.org/XML/1998/namespace"/>
   </ds:schemaRefs>
 </ds:datastoreItem>
 </file>
 
 <file path=customXml/itemProps3.xml><?xml version="1.0" encoding="utf-8"?>
-<ds:datastoreItem xmlns:ds="http://schemas.openxmlformats.org/officeDocument/2006/customXml" ds:itemID="{25CC142F-F120-4F30-AC4C-0B7512E2EB19}">
+<ds:datastoreItem xmlns:ds="http://schemas.openxmlformats.org/officeDocument/2006/customXml" ds:itemID="{60DCEC81-1754-4F4B-B866-9E8CEBF1023F}">
   <ds:schemaRefs>
-    <ds:schemaRef ds:uri="45c0638f-8904-45ab-b124-b1f7ff451179"/>
-    <ds:schemaRef ds:uri="ac1d6235-51e3-4a29-8ef4-963eeebbd849"/>
+    <ds:schemaRef ds:uri="http://schemas.microsoft.com/office/2006/metadata/contentType"/>
+    <ds:schemaRef ds:uri="http://schemas.microsoft.com/office/2006/metadata/properties/metaAttributes"/>
+    <ds:schemaRef ds:uri="http://www.w3.org/2001/XMLSchema"/>
     <ds:schemaRef ds:uri="http://schemas.microsoft.com/office/2006/metadata/properties"/>
+    <ds:schemaRef ds:uri="8221f12d-b284-4398-9345-3006e858cb5f"/>
+    <ds:schemaRef ds:uri="c54a37ca-9890-45c6-a15b-01b4ec6d0fc3"/>
+    <ds:schemaRef ds:uri="http://schemas.microsoft.com/office/2006/documentManagement/types"/>
     <ds:schemaRef ds:uri="http://schemas.microsoft.com/office/infopath/2007/PartnerControls"/>
+    <ds:schemaRef ds:uri="http://schemas.openxmlformats.org/package/2006/metadata/core-properties"/>
+    <ds:schemaRef ds:uri="http://purl.org/dc/elements/1.1/"/>
+    <ds:schemaRef ds:uri="http://purl.org/dc/terms/"/>
+    <ds:schemaRef ds:uri="http://schemas.microsoft.com/internal/obd"/>
   </ds:schemaRefs>
 </ds:datastoreItem>
 </file>